--- a/SeeSharpTools.JY.Remoting/SeeSharpTools.Remoting.pptx
+++ b/SeeSharpTools.JY.Remoting/SeeSharpTools.Remoting.pptx
@@ -5,15 +5,20 @@
     <p:sldMasterId id="2147483869" r:id="rId1"/>
   </p:sldMasterIdLst>
   <p:notesMasterIdLst>
-    <p:notesMasterId r:id="rId5"/>
+    <p:notesMasterId r:id="rId10"/>
   </p:notesMasterIdLst>
   <p:handoutMasterIdLst>
-    <p:handoutMasterId r:id="rId6"/>
+    <p:handoutMasterId r:id="rId11"/>
   </p:handoutMasterIdLst>
   <p:sldIdLst>
     <p:sldId id="256" r:id="rId2"/>
-    <p:sldId id="257" r:id="rId3"/>
-    <p:sldId id="258" r:id="rId4"/>
+    <p:sldId id="259" r:id="rId3"/>
+    <p:sldId id="257" r:id="rId4"/>
+    <p:sldId id="258" r:id="rId5"/>
+    <p:sldId id="260" r:id="rId6"/>
+    <p:sldId id="261" r:id="rId7"/>
+    <p:sldId id="262" r:id="rId8"/>
+    <p:sldId id="263" r:id="rId9"/>
   </p:sldIdLst>
   <p:sldSz cx="12192000" cy="6858000"/>
   <p:notesSz cx="6858000" cy="9144000"/>
@@ -2675,6 +2680,67 @@
           <a:chExt cx="0" cy="0"/>
         </a:xfrm>
       </p:grpSpPr>
+      <p:sp>
+        <p:nvSpPr>
+          <p:cNvPr id="4" name="标题 3">
+            <a:extLst>
+              <a:ext uri="{FF2B5EF4-FFF2-40B4-BE49-F238E27FC236}">
+                <a16:creationId xmlns:a16="http://schemas.microsoft.com/office/drawing/2014/main" id="{79089405-02C9-43ED-A30F-6C3D2B9F86AB}"/>
+              </a:ext>
+            </a:extLst>
+          </p:cNvPr>
+          <p:cNvSpPr>
+            <a:spLocks noGrp="1"/>
+          </p:cNvSpPr>
+          <p:nvPr>
+            <p:ph type="ctrTitle"/>
+          </p:nvPr>
+        </p:nvSpPr>
+        <p:spPr/>
+        <p:txBody>
+          <a:bodyPr/>
+          <a:lstStyle/>
+          <a:p>
+            <a:r>
+              <a:rPr lang="en-US" altLang="zh-CN" dirty="0" err="1"/>
+              <a:t>SeeSharpTools.JY.Remoting</a:t>
+            </a:r>
+            <a:r>
+              <a:rPr lang="en-US" altLang="zh-CN" dirty="0"/>
+              <a:t> </a:t>
+            </a:r>
+            <a:r>
+              <a:rPr lang="zh-CN" altLang="en-US" dirty="0"/>
+              <a:t>类库</a:t>
+            </a:r>
+          </a:p>
+        </p:txBody>
+      </p:sp>
+      <p:sp>
+        <p:nvSpPr>
+          <p:cNvPr id="5" name="副标题 4">
+            <a:extLst>
+              <a:ext uri="{FF2B5EF4-FFF2-40B4-BE49-F238E27FC236}">
+                <a16:creationId xmlns:a16="http://schemas.microsoft.com/office/drawing/2014/main" id="{F26A039D-A8F0-4ADC-B780-AD18DB494645}"/>
+              </a:ext>
+            </a:extLst>
+          </p:cNvPr>
+          <p:cNvSpPr>
+            <a:spLocks noGrp="1"/>
+          </p:cNvSpPr>
+          <p:nvPr>
+            <p:ph type="subTitle" idx="1"/>
+          </p:nvPr>
+        </p:nvSpPr>
+        <p:spPr/>
+        <p:txBody>
+          <a:bodyPr/>
+          <a:lstStyle/>
+          <a:p>
+            <a:endParaRPr lang="zh-CN" altLang="en-US"/>
+          </a:p>
+        </p:txBody>
+      </p:sp>
     </p:spTree>
     <p:extLst>
       <p:ext uri="{BB962C8B-B14F-4D97-AF65-F5344CB8AC3E}">
@@ -2710,6 +2776,207 @@
           <p:cNvPr id="2" name="标题 1">
             <a:extLst>
               <a:ext uri="{FF2B5EF4-FFF2-40B4-BE49-F238E27FC236}">
+                <a16:creationId xmlns:a16="http://schemas.microsoft.com/office/drawing/2014/main" id="{703B1A9F-6A01-4920-8416-961794D39C1C}"/>
+              </a:ext>
+            </a:extLst>
+          </p:cNvPr>
+          <p:cNvSpPr>
+            <a:spLocks noGrp="1"/>
+          </p:cNvSpPr>
+          <p:nvPr>
+            <p:ph type="title"/>
+          </p:nvPr>
+        </p:nvSpPr>
+        <p:spPr/>
+        <p:txBody>
+          <a:bodyPr/>
+          <a:lstStyle/>
+          <a:p>
+            <a:r>
+              <a:rPr lang="zh-CN" altLang="en-US" dirty="0"/>
+              <a:t>类库说明</a:t>
+            </a:r>
+          </a:p>
+        </p:txBody>
+      </p:sp>
+      <p:sp>
+        <p:nvSpPr>
+          <p:cNvPr id="3" name="内容占位符 2">
+            <a:extLst>
+              <a:ext uri="{FF2B5EF4-FFF2-40B4-BE49-F238E27FC236}">
+                <a16:creationId xmlns:a16="http://schemas.microsoft.com/office/drawing/2014/main" id="{952F12E9-05AE-4AE5-9542-A0B8E6824A5E}"/>
+              </a:ext>
+            </a:extLst>
+          </p:cNvPr>
+          <p:cNvSpPr>
+            <a:spLocks noGrp="1"/>
+          </p:cNvSpPr>
+          <p:nvPr>
+            <p:ph idx="1"/>
+          </p:nvPr>
+        </p:nvSpPr>
+        <p:spPr/>
+        <p:txBody>
+          <a:bodyPr/>
+          <a:lstStyle/>
+          <a:p>
+            <a:r>
+              <a:rPr lang="zh-CN" altLang="en-US" dirty="0"/>
+              <a:t>引用微软</a:t>
+            </a:r>
+            <a:r>
+              <a:rPr lang="en-US" altLang="zh-CN" dirty="0"/>
+              <a:t>Remoting</a:t>
+            </a:r>
+            <a:r>
+              <a:rPr lang="zh-CN" altLang="en-US" dirty="0"/>
+              <a:t>类库功能，制作基于</a:t>
+            </a:r>
+            <a:r>
+              <a:rPr lang="en-US" altLang="zh-CN" dirty="0"/>
+              <a:t>TCP</a:t>
+            </a:r>
+            <a:r>
+              <a:rPr lang="zh-CN" altLang="en-US" dirty="0"/>
+              <a:t>通信的测控专用工具包</a:t>
+            </a:r>
+            <a:endParaRPr lang="en-US" altLang="zh-CN" dirty="0"/>
+          </a:p>
+          <a:p>
+            <a:r>
+              <a:rPr lang="zh-CN" altLang="en-US" dirty="0"/>
+              <a:t>分为两部分</a:t>
+            </a:r>
+            <a:endParaRPr lang="en-US" altLang="zh-CN" dirty="0"/>
+          </a:p>
+          <a:p>
+            <a:pPr lvl="1"/>
+            <a:r>
+              <a:rPr lang="en-US" altLang="zh-CN" dirty="0"/>
+              <a:t>Server</a:t>
+            </a:r>
+          </a:p>
+          <a:p>
+            <a:pPr lvl="2"/>
+            <a:r>
+              <a:rPr lang="zh-CN" altLang="en-US" dirty="0"/>
+              <a:t>创建变量</a:t>
+            </a:r>
+            <a:endParaRPr lang="en-US" altLang="zh-CN" dirty="0"/>
+          </a:p>
+          <a:p>
+            <a:pPr lvl="2"/>
+            <a:r>
+              <a:rPr lang="zh-CN" altLang="en-US" dirty="0"/>
+              <a:t>读写</a:t>
+            </a:r>
+            <a:endParaRPr lang="en-US" altLang="zh-CN" dirty="0"/>
+          </a:p>
+          <a:p>
+            <a:pPr lvl="1"/>
+            <a:r>
+              <a:rPr lang="en-US" altLang="zh-CN" dirty="0"/>
+              <a:t>Client</a:t>
+            </a:r>
+          </a:p>
+          <a:p>
+            <a:pPr lvl="2"/>
+            <a:r>
+              <a:rPr lang="zh-CN" altLang="en-US" dirty="0"/>
+              <a:t>透过</a:t>
+            </a:r>
+            <a:r>
+              <a:rPr lang="en-US" altLang="zh-CN" dirty="0"/>
+              <a:t>TCP Channel</a:t>
+            </a:r>
+            <a:r>
+              <a:rPr lang="zh-CN" altLang="en-US" dirty="0"/>
+              <a:t>功能与变量连接</a:t>
+            </a:r>
+            <a:endParaRPr lang="en-US" altLang="zh-CN" dirty="0"/>
+          </a:p>
+          <a:p>
+            <a:pPr lvl="2"/>
+            <a:r>
+              <a:rPr lang="zh-CN" altLang="en-US" dirty="0"/>
+              <a:t>读写</a:t>
+            </a:r>
+            <a:endParaRPr lang="en-US" altLang="zh-CN" dirty="0"/>
+          </a:p>
+          <a:p>
+            <a:r>
+              <a:rPr lang="zh-CN" altLang="en-US" dirty="0"/>
+              <a:t>支持多客户端</a:t>
+            </a:r>
+            <a:endParaRPr lang="en-US" altLang="zh-CN" dirty="0"/>
+          </a:p>
+        </p:txBody>
+      </p:sp>
+      <p:sp>
+        <p:nvSpPr>
+          <p:cNvPr id="4" name="灯片编号占位符 3">
+            <a:extLst>
+              <a:ext uri="{FF2B5EF4-FFF2-40B4-BE49-F238E27FC236}">
+                <a16:creationId xmlns:a16="http://schemas.microsoft.com/office/drawing/2014/main" id="{FB01A8B8-1A20-4A3B-A5C8-AFD88F0B7845}"/>
+              </a:ext>
+            </a:extLst>
+          </p:cNvPr>
+          <p:cNvSpPr>
+            <a:spLocks noGrp="1"/>
+          </p:cNvSpPr>
+          <p:nvPr>
+            <p:ph type="sldNum" sz="quarter" idx="12"/>
+          </p:nvPr>
+        </p:nvSpPr>
+        <p:spPr/>
+        <p:txBody>
+          <a:bodyPr/>
+          <a:lstStyle/>
+          <a:p>
+            <a:fld id="{E3299F3B-531E-2949-9576-C3A9A142D7A1}" type="slidenum">
+              <a:rPr lang="en-US" smtClean="0"/>
+              <a:pPr/>
+              <a:t>2</a:t>
+            </a:fld>
+            <a:endParaRPr lang="en-US" dirty="0"/>
+          </a:p>
+        </p:txBody>
+      </p:sp>
+    </p:spTree>
+    <p:extLst>
+      <p:ext uri="{BB962C8B-B14F-4D97-AF65-F5344CB8AC3E}">
+        <p14:creationId xmlns:p14="http://schemas.microsoft.com/office/powerpoint/2010/main" val="61898645"/>
+      </p:ext>
+    </p:extLst>
+  </p:cSld>
+  <p:clrMapOvr>
+    <a:masterClrMapping/>
+  </p:clrMapOvr>
+</p:sld>
+</file>
+
+<file path=ppt/slides/slide3.xml><?xml version="1.0" encoding="utf-8"?>
+<p:sld xmlns:a="http://schemas.openxmlformats.org/drawingml/2006/main" xmlns:r="http://schemas.openxmlformats.org/officeDocument/2006/relationships" xmlns:p="http://schemas.openxmlformats.org/presentationml/2006/main">
+  <p:cSld>
+    <p:spTree>
+      <p:nvGrpSpPr>
+        <p:cNvPr id="1" name=""/>
+        <p:cNvGrpSpPr/>
+        <p:nvPr/>
+      </p:nvGrpSpPr>
+      <p:grpSpPr>
+        <a:xfrm>
+          <a:off x="0" y="0"/>
+          <a:ext cx="0" cy="0"/>
+          <a:chOff x="0" y="0"/>
+          <a:chExt cx="0" cy="0"/>
+        </a:xfrm>
+      </p:grpSpPr>
+      <p:sp>
+        <p:nvSpPr>
+          <p:cNvPr id="2" name="标题 1">
+            <a:extLst>
+              <a:ext uri="{FF2B5EF4-FFF2-40B4-BE49-F238E27FC236}">
                 <a16:creationId xmlns:a16="http://schemas.microsoft.com/office/drawing/2014/main" id="{9C896DBE-09C7-4726-BC15-29FD93086B2A}"/>
               </a:ext>
             </a:extLst>
@@ -2726,16 +2993,75 @@
           <a:bodyPr/>
           <a:lstStyle/>
           <a:p>
-            <a:endParaRPr lang="zh-CN" altLang="en-US"/>
-          </a:p>
-        </p:txBody>
-      </p:sp>
-      <p:sp>
-        <p:nvSpPr>
-          <p:cNvPr id="4" name="矩形: 圆角 3">
+            <a:r>
+              <a:rPr lang="en-US" altLang="zh-CN" dirty="0"/>
+              <a:t>Remoting</a:t>
+            </a:r>
+            <a:r>
+              <a:rPr lang="zh-CN" altLang="en-US" dirty="0"/>
+              <a:t>概念</a:t>
+            </a:r>
+          </a:p>
+        </p:txBody>
+      </p:sp>
+      <p:sp>
+        <p:nvSpPr>
+          <p:cNvPr id="14" name="内容占位符 13">
             <a:extLst>
               <a:ext uri="{FF2B5EF4-FFF2-40B4-BE49-F238E27FC236}">
-                <a16:creationId xmlns:a16="http://schemas.microsoft.com/office/drawing/2014/main" id="{1397B368-5FD7-43E2-BCC7-89E47B76BAD1}"/>
+                <a16:creationId xmlns:a16="http://schemas.microsoft.com/office/drawing/2014/main" id="{552EEF57-DE2D-4356-9E9E-FBE683AD7219}"/>
+              </a:ext>
+            </a:extLst>
+          </p:cNvPr>
+          <p:cNvSpPr>
+            <a:spLocks noGrp="1"/>
+          </p:cNvSpPr>
+          <p:nvPr>
+            <p:ph idx="1"/>
+          </p:nvPr>
+        </p:nvSpPr>
+        <p:spPr>
+          <a:xfrm>
+            <a:off x="469557" y="1309816"/>
+            <a:ext cx="11252886" cy="4867147"/>
+          </a:xfrm>
+        </p:spPr>
+        <p:txBody>
+          <a:bodyPr/>
+          <a:lstStyle/>
+          <a:p>
+            <a:r>
+              <a:rPr lang="zh-CN" altLang="en-US" dirty="0"/>
+              <a:t>透过底层</a:t>
+            </a:r>
+            <a:r>
+              <a:rPr lang="en-US" altLang="zh-CN" dirty="0"/>
+              <a:t>Channel Service</a:t>
+            </a:r>
+            <a:r>
+              <a:rPr lang="zh-CN" altLang="en-US" dirty="0"/>
+              <a:t>的方式将对象映射到远程的运行主机</a:t>
+            </a:r>
+            <a:endParaRPr lang="en-US" altLang="zh-CN" dirty="0"/>
+          </a:p>
+          <a:p>
+            <a:r>
+              <a:rPr lang="zh-CN" altLang="en-US" dirty="0"/>
+              <a:t>微软将通信的部分进行完整的封装，使用简单直观</a:t>
+            </a:r>
+            <a:endParaRPr lang="en-US" altLang="zh-CN" dirty="0"/>
+          </a:p>
+          <a:p>
+            <a:endParaRPr lang="zh-CN" altLang="en-US" dirty="0"/>
+          </a:p>
+        </p:txBody>
+      </p:sp>
+      <p:sp>
+        <p:nvSpPr>
+          <p:cNvPr id="15" name="矩形: 圆角 14">
+            <a:extLst>
+              <a:ext uri="{FF2B5EF4-FFF2-40B4-BE49-F238E27FC236}">
+                <a16:creationId xmlns:a16="http://schemas.microsoft.com/office/drawing/2014/main" id="{AFF07187-8A96-478C-9C6D-2914F0D394FF}"/>
               </a:ext>
             </a:extLst>
           </p:cNvPr>
@@ -2744,7 +3070,7 @@
         </p:nvSpPr>
         <p:spPr>
           <a:xfrm>
-            <a:off x="2964873" y="2364509"/>
+            <a:off x="2743037" y="3581906"/>
             <a:ext cx="1921164" cy="1163782"/>
           </a:xfrm>
           <a:prstGeom prst="roundRect">
@@ -2781,10 +3107,10 @@
       </p:sp>
       <p:sp>
         <p:nvSpPr>
-          <p:cNvPr id="6" name="矩形: 圆角 5">
+          <p:cNvPr id="16" name="矩形: 圆角 15">
             <a:extLst>
               <a:ext uri="{FF2B5EF4-FFF2-40B4-BE49-F238E27FC236}">
-                <a16:creationId xmlns:a16="http://schemas.microsoft.com/office/drawing/2014/main" id="{867014A2-D21B-4387-B191-4C44AC71530D}"/>
+                <a16:creationId xmlns:a16="http://schemas.microsoft.com/office/drawing/2014/main" id="{3B1DAA82-D7FE-4DB6-A491-469277E392C2}"/>
               </a:ext>
             </a:extLst>
           </p:cNvPr>
@@ -2793,7 +3119,7 @@
         </p:nvSpPr>
         <p:spPr>
           <a:xfrm>
-            <a:off x="7158185" y="2364509"/>
+            <a:off x="6936349" y="3581906"/>
             <a:ext cx="1921164" cy="1163782"/>
           </a:xfrm>
           <a:prstGeom prst="roundRect">
@@ -2830,22 +3156,22 @@
       </p:sp>
       <p:cxnSp>
         <p:nvCxnSpPr>
-          <p:cNvPr id="10" name="直接箭头连接符 9">
+          <p:cNvPr id="17" name="直接箭头连接符 16">
             <a:extLst>
               <a:ext uri="{FF2B5EF4-FFF2-40B4-BE49-F238E27FC236}">
-                <a16:creationId xmlns:a16="http://schemas.microsoft.com/office/drawing/2014/main" id="{4B4F85B3-ED23-4E02-8511-114B435E9820}"/>
+                <a16:creationId xmlns:a16="http://schemas.microsoft.com/office/drawing/2014/main" id="{B625F921-38E9-4382-B9AF-B21B3086D06F}"/>
               </a:ext>
             </a:extLst>
           </p:cNvPr>
           <p:cNvCxnSpPr>
-            <a:stCxn id="4" idx="3"/>
-            <a:endCxn id="6" idx="1"/>
+            <a:stCxn id="15" idx="3"/>
+            <a:endCxn id="16" idx="1"/>
           </p:cNvCxnSpPr>
           <p:nvPr/>
         </p:nvCxnSpPr>
         <p:spPr>
           <a:xfrm>
-            <a:off x="4886037" y="2946400"/>
+            <a:off x="4664201" y="4163797"/>
             <a:ext cx="2272148" cy="0"/>
           </a:xfrm>
           <a:prstGeom prst="straightConnector1">
@@ -2876,10 +3202,10 @@
       </p:cxnSp>
       <p:sp>
         <p:nvSpPr>
-          <p:cNvPr id="11" name="文本框 10">
+          <p:cNvPr id="18" name="文本框 17">
             <a:extLst>
               <a:ext uri="{FF2B5EF4-FFF2-40B4-BE49-F238E27FC236}">
-                <a16:creationId xmlns:a16="http://schemas.microsoft.com/office/drawing/2014/main" id="{294794B4-B4DC-473C-AC57-DE02FB051B35}"/>
+                <a16:creationId xmlns:a16="http://schemas.microsoft.com/office/drawing/2014/main" id="{AA70FBA8-E88D-4C67-8268-BB4B7B08056B}"/>
               </a:ext>
             </a:extLst>
           </p:cNvPr>
@@ -2888,7 +3214,7 @@
         </p:nvSpPr>
         <p:spPr>
           <a:xfrm>
-            <a:off x="5033816" y="2946400"/>
+            <a:off x="4811980" y="3794465"/>
             <a:ext cx="1992853" cy="369332"/>
           </a:xfrm>
           <a:prstGeom prst="rect">
@@ -2923,7 +3249,7 @@
 </p:sld>
 </file>
 
-<file path=ppt/slides/slide3.xml><?xml version="1.0" encoding="utf-8"?>
+<file path=ppt/slides/slide4.xml><?xml version="1.0" encoding="utf-8"?>
 <p:sld xmlns:a="http://schemas.openxmlformats.org/drawingml/2006/main" xmlns:r="http://schemas.openxmlformats.org/officeDocument/2006/relationships" xmlns:p="http://schemas.openxmlformats.org/presentationml/2006/main">
   <p:cSld>
     <p:spTree>
@@ -3160,7 +3486,14 @@
           <a:bodyPr/>
           <a:lstStyle/>
           <a:p>
-            <a:endParaRPr lang="zh-CN" altLang="en-US"/>
+            <a:r>
+              <a:rPr lang="en-US" altLang="zh-CN" dirty="0" err="1"/>
+              <a:t>SeeSharpTools.JY.Remoting</a:t>
+            </a:r>
+            <a:r>
+              <a:rPr lang="zh-CN" altLang="en-US" dirty="0"/>
+              <a:t>类库设计概念</a:t>
+            </a:r>
           </a:p>
         </p:txBody>
       </p:sp>
@@ -3188,7 +3521,7 @@
             <a:fld id="{E3299F3B-531E-2949-9576-C3A9A142D7A1}" type="slidenum">
               <a:rPr lang="en-US" smtClean="0"/>
               <a:pPr/>
-              <a:t>3</a:t>
+              <a:t>4</a:t>
             </a:fld>
             <a:endParaRPr lang="en-US" dirty="0"/>
           </a:p>
@@ -3823,7 +4156,7 @@
         </p:nvSpPr>
         <p:spPr>
           <a:xfrm>
-            <a:off x="9895912" y="1985818"/>
+            <a:off x="9678673" y="1985818"/>
             <a:ext cx="1402948" cy="369332"/>
           </a:xfrm>
           <a:prstGeom prst="rect">
@@ -3875,8 +4208,8 @@
         </p:nvSpPr>
         <p:spPr>
           <a:xfrm>
-            <a:off x="9895912" y="3145455"/>
-            <a:ext cx="1069524" cy="369332"/>
+            <a:off x="9678673" y="3145455"/>
+            <a:ext cx="2428870" cy="369332"/>
           </a:xfrm>
           <a:prstGeom prst="rect">
             <a:avLst/>
@@ -3895,13 +4228,9 @@
             </a:r>
             <a:r>
               <a:rPr lang="zh-CN" altLang="en-US" dirty="0"/>
-              <a:t> </a:t>
-            </a:r>
-            <a:r>
-              <a:rPr lang="en-US" altLang="zh-CN" dirty="0"/>
-              <a:t>DDA</a:t>
-            </a:r>
-            <a:endParaRPr lang="zh-CN" altLang="en-US" dirty="0"/>
+              <a:t> 分布式采集下位机</a:t>
+            </a:r>
+            <a:endParaRPr lang="en-US" altLang="zh-CN" dirty="0"/>
           </a:p>
         </p:txBody>
       </p:sp>
@@ -3919,7 +4248,7 @@
         </p:nvSpPr>
         <p:spPr>
           <a:xfrm>
-            <a:off x="9895912" y="4323582"/>
+            <a:off x="9678673" y="4323582"/>
             <a:ext cx="1052532" cy="369332"/>
           </a:xfrm>
           <a:prstGeom prst="rect">
@@ -4044,6 +4373,956 @@
     <p:extLst>
       <p:ext uri="{BB962C8B-B14F-4D97-AF65-F5344CB8AC3E}">
         <p14:creationId xmlns:p14="http://schemas.microsoft.com/office/powerpoint/2010/main" val="2845628785"/>
+      </p:ext>
+    </p:extLst>
+  </p:cSld>
+  <p:clrMapOvr>
+    <a:masterClrMapping/>
+  </p:clrMapOvr>
+</p:sld>
+</file>
+
+<file path=ppt/slides/slide5.xml><?xml version="1.0" encoding="utf-8"?>
+<p:sld xmlns:a="http://schemas.openxmlformats.org/drawingml/2006/main" xmlns:r="http://schemas.openxmlformats.org/officeDocument/2006/relationships" xmlns:p="http://schemas.openxmlformats.org/presentationml/2006/main">
+  <p:cSld>
+    <p:spTree>
+      <p:nvGrpSpPr>
+        <p:cNvPr id="1" name=""/>
+        <p:cNvGrpSpPr/>
+        <p:nvPr/>
+      </p:nvGrpSpPr>
+      <p:grpSpPr>
+        <a:xfrm>
+          <a:off x="0" y="0"/>
+          <a:ext cx="0" cy="0"/>
+          <a:chOff x="0" y="0"/>
+          <a:chExt cx="0" cy="0"/>
+        </a:xfrm>
+      </p:grpSpPr>
+      <p:sp>
+        <p:nvSpPr>
+          <p:cNvPr id="2" name="标题 1">
+            <a:extLst>
+              <a:ext uri="{FF2B5EF4-FFF2-40B4-BE49-F238E27FC236}">
+                <a16:creationId xmlns:a16="http://schemas.microsoft.com/office/drawing/2014/main" id="{692E6439-2153-4CB0-969A-B96A235490E6}"/>
+              </a:ext>
+            </a:extLst>
+          </p:cNvPr>
+          <p:cNvSpPr>
+            <a:spLocks noGrp="1"/>
+          </p:cNvSpPr>
+          <p:nvPr>
+            <p:ph type="title"/>
+          </p:nvPr>
+        </p:nvSpPr>
+        <p:spPr/>
+        <p:txBody>
+          <a:bodyPr/>
+          <a:lstStyle/>
+          <a:p>
+            <a:r>
+              <a:rPr lang="en-US" altLang="zh-CN" dirty="0"/>
+              <a:t>Client</a:t>
+            </a:r>
+            <a:r>
+              <a:rPr lang="zh-CN" altLang="en-US" dirty="0"/>
+              <a:t>客户端</a:t>
+            </a:r>
+          </a:p>
+        </p:txBody>
+      </p:sp>
+      <p:sp>
+        <p:nvSpPr>
+          <p:cNvPr id="3" name="内容占位符 2">
+            <a:extLst>
+              <a:ext uri="{FF2B5EF4-FFF2-40B4-BE49-F238E27FC236}">
+                <a16:creationId xmlns:a16="http://schemas.microsoft.com/office/drawing/2014/main" id="{AB5C4B2C-06F5-4C61-97A0-2F0E2CA8FEC9}"/>
+              </a:ext>
+            </a:extLst>
+          </p:cNvPr>
+          <p:cNvSpPr>
+            <a:spLocks noGrp="1"/>
+          </p:cNvSpPr>
+          <p:nvPr>
+            <p:ph sz="half" idx="1"/>
+          </p:nvPr>
+        </p:nvSpPr>
+        <p:spPr/>
+        <p:txBody>
+          <a:bodyPr>
+            <a:normAutofit/>
+          </a:bodyPr>
+          <a:lstStyle/>
+          <a:p>
+            <a:r>
+              <a:rPr lang="zh-CN" altLang="en-US" sz="2400" dirty="0"/>
+              <a:t>属性</a:t>
+            </a:r>
+            <a:endParaRPr lang="en-US" altLang="zh-CN" sz="2400" dirty="0"/>
+          </a:p>
+          <a:p>
+            <a:pPr lvl="1"/>
+            <a:r>
+              <a:rPr lang="en-US" altLang="zh-CN" sz="2000" dirty="0"/>
+              <a:t>Connected</a:t>
+            </a:r>
+          </a:p>
+          <a:p>
+            <a:pPr lvl="1"/>
+            <a:r>
+              <a:rPr lang="en-US" altLang="zh-CN" sz="2000" dirty="0" err="1"/>
+              <a:t>IsDataUpdated</a:t>
+            </a:r>
+            <a:endParaRPr lang="en-US" altLang="zh-CN" sz="2000" dirty="0"/>
+          </a:p>
+          <a:p>
+            <a:pPr lvl="1"/>
+            <a:r>
+              <a:rPr lang="en-US" altLang="zh-CN" sz="2000" dirty="0"/>
+              <a:t>Retry</a:t>
+            </a:r>
+          </a:p>
+          <a:p>
+            <a:r>
+              <a:rPr lang="zh-CN" altLang="en-US" sz="2400" dirty="0"/>
+              <a:t>方法</a:t>
+            </a:r>
+            <a:endParaRPr lang="en-US" altLang="zh-CN" sz="2400" dirty="0"/>
+          </a:p>
+          <a:p>
+            <a:pPr lvl="1"/>
+            <a:r>
+              <a:rPr lang="en-US" altLang="zh-CN" sz="2000" dirty="0"/>
+              <a:t>Start</a:t>
+            </a:r>
+          </a:p>
+          <a:p>
+            <a:pPr lvl="1"/>
+            <a:r>
+              <a:rPr lang="en-US" altLang="zh-CN" sz="2000" dirty="0"/>
+              <a:t>Read</a:t>
+            </a:r>
+          </a:p>
+          <a:p>
+            <a:pPr lvl="1"/>
+            <a:r>
+              <a:rPr lang="en-US" altLang="zh-CN" sz="2000" dirty="0"/>
+              <a:t>Write</a:t>
+            </a:r>
+          </a:p>
+          <a:p>
+            <a:pPr lvl="1"/>
+            <a:r>
+              <a:rPr lang="en-US" altLang="zh-CN" sz="2000" dirty="0"/>
+              <a:t>Stop</a:t>
+            </a:r>
+          </a:p>
+          <a:p>
+            <a:r>
+              <a:rPr lang="zh-CN" altLang="en-US" sz="2400" dirty="0"/>
+              <a:t>事件</a:t>
+            </a:r>
+            <a:endParaRPr lang="en-US" altLang="zh-CN" sz="2400" dirty="0"/>
+          </a:p>
+          <a:p>
+            <a:pPr lvl="1"/>
+            <a:r>
+              <a:rPr lang="en-US" altLang="zh-CN" sz="2000" dirty="0" err="1"/>
+              <a:t>DataUpadatedEvent</a:t>
+            </a:r>
+            <a:endParaRPr lang="en-US" altLang="zh-CN" sz="2000" dirty="0"/>
+          </a:p>
+          <a:p>
+            <a:pPr lvl="1"/>
+            <a:r>
+              <a:rPr lang="en-US" altLang="zh-CN" sz="2000" dirty="0" err="1"/>
+              <a:t>ServerDisconnectionEvent</a:t>
+            </a:r>
+            <a:endParaRPr lang="en-US" altLang="zh-CN" sz="2000" dirty="0"/>
+          </a:p>
+          <a:p>
+            <a:pPr lvl="1"/>
+            <a:endParaRPr lang="zh-CN" altLang="en-US" sz="2000" dirty="0"/>
+          </a:p>
+        </p:txBody>
+      </p:sp>
+      <p:sp>
+        <p:nvSpPr>
+          <p:cNvPr id="4" name="灯片编号占位符 3">
+            <a:extLst>
+              <a:ext uri="{FF2B5EF4-FFF2-40B4-BE49-F238E27FC236}">
+                <a16:creationId xmlns:a16="http://schemas.microsoft.com/office/drawing/2014/main" id="{05A39B34-0C94-4ECA-BF3E-5F94B4FDC134}"/>
+              </a:ext>
+            </a:extLst>
+          </p:cNvPr>
+          <p:cNvSpPr>
+            <a:spLocks noGrp="1"/>
+          </p:cNvSpPr>
+          <p:nvPr>
+            <p:ph type="sldNum" sz="quarter" idx="12"/>
+          </p:nvPr>
+        </p:nvSpPr>
+        <p:spPr/>
+        <p:txBody>
+          <a:bodyPr/>
+          <a:lstStyle/>
+          <a:p>
+            <a:fld id="{E3299F3B-531E-2949-9576-C3A9A142D7A1}" type="slidenum">
+              <a:rPr lang="en-US" smtClean="0"/>
+              <a:pPr/>
+              <a:t>5</a:t>
+            </a:fld>
+            <a:endParaRPr lang="en-US" dirty="0"/>
+          </a:p>
+        </p:txBody>
+      </p:sp>
+      <p:pic>
+        <p:nvPicPr>
+          <p:cNvPr id="6" name="图片 5">
+            <a:extLst>
+              <a:ext uri="{FF2B5EF4-FFF2-40B4-BE49-F238E27FC236}">
+                <a16:creationId xmlns:a16="http://schemas.microsoft.com/office/drawing/2014/main" id="{B5CAB6A1-016D-4ACC-B430-674E920EB114}"/>
+              </a:ext>
+            </a:extLst>
+          </p:cNvPr>
+          <p:cNvPicPr>
+            <a:picLocks noChangeAspect="1"/>
+          </p:cNvPicPr>
+          <p:nvPr/>
+        </p:nvPicPr>
+        <p:blipFill>
+          <a:blip r:embed="rId2"/>
+          <a:stretch>
+            <a:fillRect/>
+          </a:stretch>
+        </p:blipFill>
+        <p:spPr>
+          <a:xfrm>
+            <a:off x="8895449" y="4418152"/>
+            <a:ext cx="2441217" cy="1818329"/>
+          </a:xfrm>
+          <a:prstGeom prst="rect">
+            <a:avLst/>
+          </a:prstGeom>
+        </p:spPr>
+      </p:pic>
+      <p:pic>
+        <p:nvPicPr>
+          <p:cNvPr id="9" name="图片 8">
+            <a:extLst>
+              <a:ext uri="{FF2B5EF4-FFF2-40B4-BE49-F238E27FC236}">
+                <a16:creationId xmlns:a16="http://schemas.microsoft.com/office/drawing/2014/main" id="{6DC05881-3F41-4C38-AB46-E9B6CE38CC80}"/>
+              </a:ext>
+            </a:extLst>
+          </p:cNvPr>
+          <p:cNvPicPr>
+            <a:picLocks noChangeAspect="1"/>
+          </p:cNvPicPr>
+          <p:nvPr/>
+        </p:nvPicPr>
+        <p:blipFill>
+          <a:blip r:embed="rId3"/>
+          <a:stretch>
+            <a:fillRect/>
+          </a:stretch>
+        </p:blipFill>
+        <p:spPr>
+          <a:xfrm>
+            <a:off x="7769694" y="1220605"/>
+            <a:ext cx="3566972" cy="3293696"/>
+          </a:xfrm>
+          <a:prstGeom prst="rect">
+            <a:avLst/>
+          </a:prstGeom>
+        </p:spPr>
+      </p:pic>
+    </p:spTree>
+    <p:extLst>
+      <p:ext uri="{BB962C8B-B14F-4D97-AF65-F5344CB8AC3E}">
+        <p14:creationId xmlns:p14="http://schemas.microsoft.com/office/powerpoint/2010/main" val="3220499574"/>
+      </p:ext>
+    </p:extLst>
+  </p:cSld>
+  <p:clrMapOvr>
+    <a:masterClrMapping/>
+  </p:clrMapOvr>
+</p:sld>
+</file>
+
+<file path=ppt/slides/slide6.xml><?xml version="1.0" encoding="utf-8"?>
+<p:sld xmlns:a="http://schemas.openxmlformats.org/drawingml/2006/main" xmlns:r="http://schemas.openxmlformats.org/officeDocument/2006/relationships" xmlns:p="http://schemas.openxmlformats.org/presentationml/2006/main">
+  <p:cSld>
+    <p:spTree>
+      <p:nvGrpSpPr>
+        <p:cNvPr id="1" name=""/>
+        <p:cNvGrpSpPr/>
+        <p:nvPr/>
+      </p:nvGrpSpPr>
+      <p:grpSpPr>
+        <a:xfrm>
+          <a:off x="0" y="0"/>
+          <a:ext cx="0" cy="0"/>
+          <a:chOff x="0" y="0"/>
+          <a:chExt cx="0" cy="0"/>
+        </a:xfrm>
+      </p:grpSpPr>
+      <p:sp>
+        <p:nvSpPr>
+          <p:cNvPr id="2" name="标题 1">
+            <a:extLst>
+              <a:ext uri="{FF2B5EF4-FFF2-40B4-BE49-F238E27FC236}">
+                <a16:creationId xmlns:a16="http://schemas.microsoft.com/office/drawing/2014/main" id="{69326DE8-4B4E-44D8-B7AE-684D015A77FE}"/>
+              </a:ext>
+            </a:extLst>
+          </p:cNvPr>
+          <p:cNvSpPr>
+            <a:spLocks noGrp="1"/>
+          </p:cNvSpPr>
+          <p:nvPr>
+            <p:ph type="title"/>
+          </p:nvPr>
+        </p:nvSpPr>
+        <p:spPr/>
+        <p:txBody>
+          <a:bodyPr/>
+          <a:lstStyle/>
+          <a:p>
+            <a:r>
+              <a:rPr lang="en-US" altLang="zh-CN" dirty="0"/>
+              <a:t>Server</a:t>
+            </a:r>
+            <a:r>
+              <a:rPr lang="zh-CN" altLang="en-US" dirty="0"/>
+              <a:t>服务器端</a:t>
+            </a:r>
+          </a:p>
+        </p:txBody>
+      </p:sp>
+      <p:sp>
+        <p:nvSpPr>
+          <p:cNvPr id="3" name="内容占位符 2">
+            <a:extLst>
+              <a:ext uri="{FF2B5EF4-FFF2-40B4-BE49-F238E27FC236}">
+                <a16:creationId xmlns:a16="http://schemas.microsoft.com/office/drawing/2014/main" id="{A3DE1CB0-70F6-44CD-A2EA-F0B8CE49A4E9}"/>
+              </a:ext>
+            </a:extLst>
+          </p:cNvPr>
+          <p:cNvSpPr>
+            <a:spLocks noGrp="1"/>
+          </p:cNvSpPr>
+          <p:nvPr>
+            <p:ph sz="half" idx="1"/>
+          </p:nvPr>
+        </p:nvSpPr>
+        <p:spPr/>
+        <p:txBody>
+          <a:bodyPr/>
+          <a:lstStyle/>
+          <a:p>
+            <a:r>
+              <a:rPr lang="zh-CN" altLang="en-US" dirty="0"/>
+              <a:t>属性</a:t>
+            </a:r>
+            <a:endParaRPr lang="en-US" altLang="zh-CN" dirty="0"/>
+          </a:p>
+          <a:p>
+            <a:pPr lvl="1"/>
+            <a:r>
+              <a:rPr lang="en-US" altLang="zh-CN" dirty="0"/>
+              <a:t>Variables</a:t>
+            </a:r>
+          </a:p>
+          <a:p>
+            <a:r>
+              <a:rPr lang="zh-CN" altLang="en-US" dirty="0"/>
+              <a:t>方法</a:t>
+            </a:r>
+            <a:r>
+              <a:rPr lang="en-US" altLang="zh-CN" dirty="0"/>
+              <a:t>	</a:t>
+            </a:r>
+          </a:p>
+          <a:p>
+            <a:pPr lvl="1"/>
+            <a:r>
+              <a:rPr lang="en-US" altLang="zh-CN" dirty="0" err="1"/>
+              <a:t>AddVariable</a:t>
+            </a:r>
+            <a:endParaRPr lang="en-US" altLang="zh-CN" dirty="0"/>
+          </a:p>
+          <a:p>
+            <a:pPr lvl="1"/>
+            <a:r>
+              <a:rPr lang="en-US" altLang="zh-CN" dirty="0" err="1"/>
+              <a:t>RemoveVariable</a:t>
+            </a:r>
+            <a:endParaRPr lang="en-US" altLang="zh-CN" dirty="0"/>
+          </a:p>
+          <a:p>
+            <a:pPr lvl="1"/>
+            <a:r>
+              <a:rPr lang="en-US" altLang="zh-CN" dirty="0"/>
+              <a:t>Start</a:t>
+            </a:r>
+          </a:p>
+          <a:p>
+            <a:pPr lvl="1"/>
+            <a:r>
+              <a:rPr lang="en-US" altLang="zh-CN" dirty="0"/>
+              <a:t>Stop</a:t>
+            </a:r>
+          </a:p>
+          <a:p>
+            <a:pPr lvl="1"/>
+            <a:endParaRPr lang="zh-CN" altLang="en-US" dirty="0"/>
+          </a:p>
+        </p:txBody>
+      </p:sp>
+      <p:sp>
+        <p:nvSpPr>
+          <p:cNvPr id="5" name="灯片编号占位符 4">
+            <a:extLst>
+              <a:ext uri="{FF2B5EF4-FFF2-40B4-BE49-F238E27FC236}">
+                <a16:creationId xmlns:a16="http://schemas.microsoft.com/office/drawing/2014/main" id="{68F9FE3F-2DB1-4130-8039-EBEAD5C5E3C0}"/>
+              </a:ext>
+            </a:extLst>
+          </p:cNvPr>
+          <p:cNvSpPr>
+            <a:spLocks noGrp="1"/>
+          </p:cNvSpPr>
+          <p:nvPr>
+            <p:ph type="sldNum" sz="quarter" idx="12"/>
+          </p:nvPr>
+        </p:nvSpPr>
+        <p:spPr/>
+        <p:txBody>
+          <a:bodyPr/>
+          <a:lstStyle/>
+          <a:p>
+            <a:fld id="{E3299F3B-531E-2949-9576-C3A9A142D7A1}" type="slidenum">
+              <a:rPr lang="en-US" smtClean="0"/>
+              <a:pPr/>
+              <a:t>6</a:t>
+            </a:fld>
+            <a:endParaRPr lang="en-US" dirty="0"/>
+          </a:p>
+        </p:txBody>
+      </p:sp>
+      <p:pic>
+        <p:nvPicPr>
+          <p:cNvPr id="7" name="图片 6">
+            <a:extLst>
+              <a:ext uri="{FF2B5EF4-FFF2-40B4-BE49-F238E27FC236}">
+                <a16:creationId xmlns:a16="http://schemas.microsoft.com/office/drawing/2014/main" id="{331D98E3-89E7-48E2-BC93-E90B59CC59A3}"/>
+              </a:ext>
+            </a:extLst>
+          </p:cNvPr>
+          <p:cNvPicPr>
+            <a:picLocks noChangeAspect="1"/>
+          </p:cNvPicPr>
+          <p:nvPr/>
+        </p:nvPicPr>
+        <p:blipFill>
+          <a:blip r:embed="rId2"/>
+          <a:stretch>
+            <a:fillRect/>
+          </a:stretch>
+        </p:blipFill>
+        <p:spPr>
+          <a:xfrm>
+            <a:off x="8966444" y="3723924"/>
+            <a:ext cx="2755655" cy="1533808"/>
+          </a:xfrm>
+          <a:prstGeom prst="rect">
+            <a:avLst/>
+          </a:prstGeom>
+        </p:spPr>
+      </p:pic>
+      <p:pic>
+        <p:nvPicPr>
+          <p:cNvPr id="15" name="内容占位符 14">
+            <a:extLst>
+              <a:ext uri="{FF2B5EF4-FFF2-40B4-BE49-F238E27FC236}">
+                <a16:creationId xmlns:a16="http://schemas.microsoft.com/office/drawing/2014/main" id="{1DF1D5E8-BD4C-4CAA-AC10-E9D34EE2FA06}"/>
+              </a:ext>
+            </a:extLst>
+          </p:cNvPr>
+          <p:cNvPicPr>
+            <a:picLocks noGrp="1" noChangeAspect="1"/>
+          </p:cNvPicPr>
+          <p:nvPr>
+            <p:ph sz="half" idx="2"/>
+          </p:nvPr>
+        </p:nvPicPr>
+        <p:blipFill>
+          <a:blip r:embed="rId3"/>
+          <a:stretch>
+            <a:fillRect/>
+          </a:stretch>
+        </p:blipFill>
+        <p:spPr>
+          <a:xfrm>
+            <a:off x="7942346" y="1260389"/>
+            <a:ext cx="3779753" cy="2335728"/>
+          </a:xfrm>
+          <a:prstGeom prst="rect">
+            <a:avLst/>
+          </a:prstGeom>
+        </p:spPr>
+      </p:pic>
+    </p:spTree>
+    <p:extLst>
+      <p:ext uri="{BB962C8B-B14F-4D97-AF65-F5344CB8AC3E}">
+        <p14:creationId xmlns:p14="http://schemas.microsoft.com/office/powerpoint/2010/main" val="2255323753"/>
+      </p:ext>
+    </p:extLst>
+  </p:cSld>
+  <p:clrMapOvr>
+    <a:masterClrMapping/>
+  </p:clrMapOvr>
+</p:sld>
+</file>
+
+<file path=ppt/slides/slide7.xml><?xml version="1.0" encoding="utf-8"?>
+<p:sld xmlns:a="http://schemas.openxmlformats.org/drawingml/2006/main" xmlns:r="http://schemas.openxmlformats.org/officeDocument/2006/relationships" xmlns:p="http://schemas.openxmlformats.org/presentationml/2006/main">
+  <p:cSld>
+    <p:spTree>
+      <p:nvGrpSpPr>
+        <p:cNvPr id="1" name=""/>
+        <p:cNvGrpSpPr/>
+        <p:nvPr/>
+      </p:nvGrpSpPr>
+      <p:grpSpPr>
+        <a:xfrm>
+          <a:off x="0" y="0"/>
+          <a:ext cx="0" cy="0"/>
+          <a:chOff x="0" y="0"/>
+          <a:chExt cx="0" cy="0"/>
+        </a:xfrm>
+      </p:grpSpPr>
+      <p:sp>
+        <p:nvSpPr>
+          <p:cNvPr id="2" name="标题 1">
+            <a:extLst>
+              <a:ext uri="{FF2B5EF4-FFF2-40B4-BE49-F238E27FC236}">
+                <a16:creationId xmlns:a16="http://schemas.microsoft.com/office/drawing/2014/main" id="{C07718DA-3260-4870-8BCC-7B5EB9650B4A}"/>
+              </a:ext>
+            </a:extLst>
+          </p:cNvPr>
+          <p:cNvSpPr>
+            <a:spLocks noGrp="1"/>
+          </p:cNvSpPr>
+          <p:nvPr>
+            <p:ph type="title"/>
+          </p:nvPr>
+        </p:nvSpPr>
+        <p:spPr/>
+        <p:txBody>
+          <a:bodyPr/>
+          <a:lstStyle/>
+          <a:p>
+            <a:r>
+              <a:rPr lang="en-US" altLang="zh-CN" dirty="0"/>
+              <a:t>Remoting</a:t>
+            </a:r>
+            <a:r>
+              <a:rPr lang="zh-CN" altLang="en-US" dirty="0"/>
+              <a:t>类</a:t>
+            </a:r>
+          </a:p>
+        </p:txBody>
+      </p:sp>
+      <p:sp>
+        <p:nvSpPr>
+          <p:cNvPr id="5" name="内容占位符 4">
+            <a:extLst>
+              <a:ext uri="{FF2B5EF4-FFF2-40B4-BE49-F238E27FC236}">
+                <a16:creationId xmlns:a16="http://schemas.microsoft.com/office/drawing/2014/main" id="{21B977F1-B615-416B-8CC0-C4062E4206AD}"/>
+              </a:ext>
+            </a:extLst>
+          </p:cNvPr>
+          <p:cNvSpPr>
+            <a:spLocks noGrp="1"/>
+          </p:cNvSpPr>
+          <p:nvPr>
+            <p:ph sz="half" idx="1"/>
+          </p:nvPr>
+        </p:nvSpPr>
+        <p:spPr/>
+        <p:txBody>
+          <a:bodyPr>
+            <a:normAutofit/>
+          </a:bodyPr>
+          <a:lstStyle/>
+          <a:p>
+            <a:r>
+              <a:rPr lang="zh-CN" altLang="en-US" sz="2400" dirty="0"/>
+              <a:t>属性</a:t>
+            </a:r>
+            <a:endParaRPr lang="en-US" altLang="zh-CN" sz="2400" dirty="0"/>
+          </a:p>
+          <a:p>
+            <a:pPr lvl="1"/>
+            <a:r>
+              <a:rPr lang="en-US" altLang="zh-CN" sz="2000" dirty="0" err="1"/>
+              <a:t>IsDataUpdated</a:t>
+            </a:r>
+            <a:endParaRPr lang="en-US" altLang="zh-CN" sz="2000" dirty="0"/>
+          </a:p>
+          <a:p>
+            <a:pPr lvl="1"/>
+            <a:r>
+              <a:rPr lang="en-US" altLang="zh-CN" sz="2000" dirty="0"/>
+              <a:t>Name</a:t>
+            </a:r>
+          </a:p>
+          <a:p>
+            <a:pPr lvl="1"/>
+            <a:r>
+              <a:rPr lang="en-US" altLang="zh-CN" sz="2000" dirty="0"/>
+              <a:t>Type</a:t>
+            </a:r>
+          </a:p>
+          <a:p>
+            <a:r>
+              <a:rPr lang="zh-CN" altLang="en-US" sz="2400" dirty="0"/>
+              <a:t>方法</a:t>
+            </a:r>
+            <a:endParaRPr lang="en-US" altLang="zh-CN" sz="2400" dirty="0"/>
+          </a:p>
+          <a:p>
+            <a:pPr lvl="1"/>
+            <a:r>
+              <a:rPr lang="en-US" altLang="zh-CN" sz="2000" dirty="0"/>
+              <a:t>Read</a:t>
+            </a:r>
+          </a:p>
+          <a:p>
+            <a:pPr lvl="1"/>
+            <a:r>
+              <a:rPr lang="en-US" altLang="zh-CN" sz="2000" dirty="0"/>
+              <a:t>Write</a:t>
+            </a:r>
+          </a:p>
+          <a:p>
+            <a:r>
+              <a:rPr lang="zh-CN" altLang="en-US" sz="2400" dirty="0"/>
+              <a:t>事件</a:t>
+            </a:r>
+            <a:endParaRPr lang="en-US" altLang="zh-CN" sz="2400" dirty="0"/>
+          </a:p>
+          <a:p>
+            <a:pPr lvl="1"/>
+            <a:r>
+              <a:rPr lang="en-US" altLang="zh-CN" sz="2000" dirty="0" err="1"/>
+              <a:t>DataUpdatedEvent</a:t>
+            </a:r>
+            <a:endParaRPr lang="en-US" altLang="zh-CN" sz="2000" dirty="0"/>
+          </a:p>
+          <a:p>
+            <a:pPr lvl="1"/>
+            <a:r>
+              <a:rPr lang="en-US" altLang="zh-CN" sz="2000" dirty="0" err="1"/>
+              <a:t>DiconnectNotifier</a:t>
+            </a:r>
+            <a:endParaRPr lang="en-US" altLang="zh-CN" sz="2000" dirty="0"/>
+          </a:p>
+        </p:txBody>
+      </p:sp>
+      <p:pic>
+        <p:nvPicPr>
+          <p:cNvPr id="7" name="内容占位符 6">
+            <a:extLst>
+              <a:ext uri="{FF2B5EF4-FFF2-40B4-BE49-F238E27FC236}">
+                <a16:creationId xmlns:a16="http://schemas.microsoft.com/office/drawing/2014/main" id="{ADACB2B1-FBCE-4D80-8313-0C7600902FD4}"/>
+              </a:ext>
+            </a:extLst>
+          </p:cNvPr>
+          <p:cNvPicPr>
+            <a:picLocks noGrp="1" noChangeAspect="1"/>
+          </p:cNvPicPr>
+          <p:nvPr>
+            <p:ph sz="half" idx="2"/>
+          </p:nvPr>
+        </p:nvPicPr>
+        <p:blipFill>
+          <a:blip r:embed="rId2"/>
+          <a:stretch>
+            <a:fillRect/>
+          </a:stretch>
+        </p:blipFill>
+        <p:spPr>
+          <a:xfrm>
+            <a:off x="8180905" y="1150968"/>
+            <a:ext cx="3088880" cy="2972757"/>
+          </a:xfrm>
+          <a:prstGeom prst="rect">
+            <a:avLst/>
+          </a:prstGeom>
+        </p:spPr>
+      </p:pic>
+      <p:sp>
+        <p:nvSpPr>
+          <p:cNvPr id="4" name="灯片编号占位符 3">
+            <a:extLst>
+              <a:ext uri="{FF2B5EF4-FFF2-40B4-BE49-F238E27FC236}">
+                <a16:creationId xmlns:a16="http://schemas.microsoft.com/office/drawing/2014/main" id="{9D696E30-13AF-4A8A-B872-EDFBC96E5F7E}"/>
+              </a:ext>
+            </a:extLst>
+          </p:cNvPr>
+          <p:cNvSpPr>
+            <a:spLocks noGrp="1"/>
+          </p:cNvSpPr>
+          <p:nvPr>
+            <p:ph type="sldNum" sz="quarter" idx="12"/>
+          </p:nvPr>
+        </p:nvSpPr>
+        <p:spPr/>
+        <p:txBody>
+          <a:bodyPr/>
+          <a:lstStyle/>
+          <a:p>
+            <a:fld id="{E3299F3B-531E-2949-9576-C3A9A142D7A1}" type="slidenum">
+              <a:rPr lang="en-US" smtClean="0"/>
+              <a:pPr/>
+              <a:t>7</a:t>
+            </a:fld>
+            <a:endParaRPr lang="en-US" dirty="0"/>
+          </a:p>
+        </p:txBody>
+      </p:sp>
+    </p:spTree>
+    <p:extLst>
+      <p:ext uri="{BB962C8B-B14F-4D97-AF65-F5344CB8AC3E}">
+        <p14:creationId xmlns:p14="http://schemas.microsoft.com/office/powerpoint/2010/main" val="2475021767"/>
+      </p:ext>
+    </p:extLst>
+  </p:cSld>
+  <p:clrMapOvr>
+    <a:masterClrMapping/>
+  </p:clrMapOvr>
+</p:sld>
+</file>
+
+<file path=ppt/slides/slide8.xml><?xml version="1.0" encoding="utf-8"?>
+<p:sld xmlns:a="http://schemas.openxmlformats.org/drawingml/2006/main" xmlns:r="http://schemas.openxmlformats.org/officeDocument/2006/relationships" xmlns:p="http://schemas.openxmlformats.org/presentationml/2006/main">
+  <p:cSld>
+    <p:spTree>
+      <p:nvGrpSpPr>
+        <p:cNvPr id="1" name=""/>
+        <p:cNvGrpSpPr/>
+        <p:nvPr/>
+      </p:nvGrpSpPr>
+      <p:grpSpPr>
+        <a:xfrm>
+          <a:off x="0" y="0"/>
+          <a:ext cx="0" cy="0"/>
+          <a:chOff x="0" y="0"/>
+          <a:chExt cx="0" cy="0"/>
+        </a:xfrm>
+      </p:grpSpPr>
+      <p:sp>
+        <p:nvSpPr>
+          <p:cNvPr id="2" name="标题 1">
+            <a:extLst>
+              <a:ext uri="{FF2B5EF4-FFF2-40B4-BE49-F238E27FC236}">
+                <a16:creationId xmlns:a16="http://schemas.microsoft.com/office/drawing/2014/main" id="{D8E9B9D8-BE04-45FF-8A88-F5C0E3073B78}"/>
+              </a:ext>
+            </a:extLst>
+          </p:cNvPr>
+          <p:cNvSpPr>
+            <a:spLocks noGrp="1"/>
+          </p:cNvSpPr>
+          <p:nvPr>
+            <p:ph type="title"/>
+          </p:nvPr>
+        </p:nvSpPr>
+        <p:spPr/>
+        <p:txBody>
+          <a:bodyPr>
+            <a:normAutofit/>
+          </a:bodyPr>
+          <a:lstStyle/>
+          <a:p>
+            <a:r>
+              <a:rPr lang="zh-CN" altLang="en-US" dirty="0"/>
+              <a:t>使用方法</a:t>
+            </a:r>
+          </a:p>
+        </p:txBody>
+      </p:sp>
+      <p:sp>
+        <p:nvSpPr>
+          <p:cNvPr id="3" name="内容占位符 2">
+            <a:extLst>
+              <a:ext uri="{FF2B5EF4-FFF2-40B4-BE49-F238E27FC236}">
+                <a16:creationId xmlns:a16="http://schemas.microsoft.com/office/drawing/2014/main" id="{C29AFBD6-3900-4A72-A69A-7F2CD1930257}"/>
+              </a:ext>
+            </a:extLst>
+          </p:cNvPr>
+          <p:cNvSpPr>
+            <a:spLocks noGrp="1"/>
+          </p:cNvSpPr>
+          <p:nvPr>
+            <p:ph sz="half" idx="1"/>
+          </p:nvPr>
+        </p:nvSpPr>
+        <p:spPr/>
+        <p:txBody>
+          <a:bodyPr/>
+          <a:lstStyle/>
+          <a:p>
+            <a:r>
+              <a:rPr lang="en-US" altLang="zh-CN" dirty="0"/>
+              <a:t>Server</a:t>
+            </a:r>
+          </a:p>
+          <a:p>
+            <a:pPr lvl="1"/>
+            <a:r>
+              <a:rPr lang="zh-CN" altLang="en-US" dirty="0"/>
+              <a:t>创建</a:t>
+            </a:r>
+            <a:r>
+              <a:rPr lang="en-US" altLang="zh-CN" dirty="0"/>
+              <a:t>Server</a:t>
+            </a:r>
+          </a:p>
+          <a:p>
+            <a:pPr lvl="1"/>
+            <a:r>
+              <a:rPr lang="en-US" altLang="zh-CN" dirty="0"/>
+              <a:t>Start</a:t>
+            </a:r>
+          </a:p>
+          <a:p>
+            <a:pPr lvl="1"/>
+            <a:r>
+              <a:rPr lang="zh-CN" altLang="en-US" dirty="0"/>
+              <a:t>新建变量</a:t>
+            </a:r>
+            <a:r>
+              <a:rPr lang="en-US" altLang="zh-CN" dirty="0"/>
+              <a:t>Variable</a:t>
+            </a:r>
+          </a:p>
+          <a:p>
+            <a:pPr lvl="1"/>
+            <a:r>
+              <a:rPr lang="en-US" altLang="zh-CN" dirty="0"/>
+              <a:t>Variable</a:t>
+            </a:r>
+            <a:r>
+              <a:rPr lang="zh-CN" altLang="en-US" dirty="0"/>
+              <a:t>读写</a:t>
+            </a:r>
+            <a:endParaRPr lang="en-US" altLang="zh-CN" dirty="0"/>
+          </a:p>
+          <a:p>
+            <a:pPr lvl="1"/>
+            <a:r>
+              <a:rPr lang="en-US" altLang="zh-CN" dirty="0"/>
+              <a:t>Stop</a:t>
+            </a:r>
+            <a:endParaRPr lang="zh-CN" altLang="en-US" dirty="0"/>
+          </a:p>
+        </p:txBody>
+      </p:sp>
+      <p:sp>
+        <p:nvSpPr>
+          <p:cNvPr id="4" name="内容占位符 3">
+            <a:extLst>
+              <a:ext uri="{FF2B5EF4-FFF2-40B4-BE49-F238E27FC236}">
+                <a16:creationId xmlns:a16="http://schemas.microsoft.com/office/drawing/2014/main" id="{D5F6E629-AAA4-42D6-A48F-A953CC57480D}"/>
+              </a:ext>
+            </a:extLst>
+          </p:cNvPr>
+          <p:cNvSpPr>
+            <a:spLocks noGrp="1"/>
+          </p:cNvSpPr>
+          <p:nvPr>
+            <p:ph sz="half" idx="2"/>
+          </p:nvPr>
+        </p:nvSpPr>
+        <p:spPr/>
+        <p:txBody>
+          <a:bodyPr/>
+          <a:lstStyle/>
+          <a:p>
+            <a:r>
+              <a:rPr lang="en-US" altLang="zh-CN" dirty="0"/>
+              <a:t>Client</a:t>
+            </a:r>
+          </a:p>
+          <a:p>
+            <a:pPr lvl="1"/>
+            <a:r>
+              <a:rPr lang="zh-CN" altLang="en-US" dirty="0"/>
+              <a:t>创建</a:t>
+            </a:r>
+            <a:r>
+              <a:rPr lang="en-US" altLang="zh-CN" dirty="0"/>
+              <a:t>Client</a:t>
+            </a:r>
+          </a:p>
+          <a:p>
+            <a:pPr lvl="1"/>
+            <a:r>
+              <a:rPr lang="en-US" altLang="zh-CN" dirty="0"/>
+              <a:t>Start</a:t>
+            </a:r>
+          </a:p>
+          <a:p>
+            <a:pPr lvl="1"/>
+            <a:r>
+              <a:rPr lang="zh-CN" altLang="en-US" dirty="0"/>
+              <a:t>读写</a:t>
+            </a:r>
+            <a:endParaRPr lang="en-US" altLang="zh-CN" dirty="0"/>
+          </a:p>
+          <a:p>
+            <a:pPr lvl="1"/>
+            <a:r>
+              <a:rPr lang="en-US" altLang="zh-CN" dirty="0"/>
+              <a:t>Stop</a:t>
+            </a:r>
+          </a:p>
+        </p:txBody>
+      </p:sp>
+      <p:sp>
+        <p:nvSpPr>
+          <p:cNvPr id="5" name="灯片编号占位符 4">
+            <a:extLst>
+              <a:ext uri="{FF2B5EF4-FFF2-40B4-BE49-F238E27FC236}">
+                <a16:creationId xmlns:a16="http://schemas.microsoft.com/office/drawing/2014/main" id="{455260E9-FE1F-4D17-B5EB-BA4995C6361D}"/>
+              </a:ext>
+            </a:extLst>
+          </p:cNvPr>
+          <p:cNvSpPr>
+            <a:spLocks noGrp="1"/>
+          </p:cNvSpPr>
+          <p:nvPr>
+            <p:ph type="sldNum" sz="quarter" idx="12"/>
+          </p:nvPr>
+        </p:nvSpPr>
+        <p:spPr/>
+        <p:txBody>
+          <a:bodyPr/>
+          <a:lstStyle/>
+          <a:p>
+            <a:fld id="{E3299F3B-531E-2949-9576-C3A9A142D7A1}" type="slidenum">
+              <a:rPr lang="en-US" smtClean="0"/>
+              <a:pPr/>
+              <a:t>8</a:t>
+            </a:fld>
+            <a:endParaRPr lang="en-US" dirty="0"/>
+          </a:p>
+        </p:txBody>
+      </p:sp>
+    </p:spTree>
+    <p:extLst>
+      <p:ext uri="{BB962C8B-B14F-4D97-AF65-F5344CB8AC3E}">
+        <p14:creationId xmlns:p14="http://schemas.microsoft.com/office/powerpoint/2010/main" val="675025371"/>
       </p:ext>
     </p:extLst>
   </p:cSld>
